--- a/PRESENTATION CHATBOT.pptx
+++ b/PRESENTATION CHATBOT.pptx
@@ -207,7 +207,7 @@
           <a:p>
             <a:fld id="{70F934E7-BE88-49E7-94FE-130090AFF6B3}" type="datetimeFigureOut">
               <a:rPr lang="fr-FR" smtClean="0"/>
-              <a:t>01/12/2025</a:t>
+              <a:t>06/12/2025</a:t>
             </a:fld>
             <a:endParaRPr lang="fr-FR"/>
           </a:p>
@@ -644,7 +644,7 @@
           <a:p>
             <a:fld id="{B29D576D-DBB8-42D4-A360-80A152F3B814}" type="datetime1">
               <a:rPr lang="en-US" smtClean="0"/>
-              <a:t>12/1/2025</a:t>
+              <a:t>12/6/2025</a:t>
             </a:fld>
             <a:endParaRPr lang="en-US" dirty="0"/>
           </a:p>
@@ -906,7 +906,7 @@
           <a:p>
             <a:fld id="{378F7BBD-B99A-4C13-8165-AEC5F80CD438}" type="datetime1">
               <a:rPr lang="en-US" smtClean="0"/>
-              <a:t>12/1/2025</a:t>
+              <a:t>12/6/2025</a:t>
             </a:fld>
             <a:endParaRPr lang="en-US" dirty="0"/>
           </a:p>
@@ -1132,7 +1132,7 @@
           <a:p>
             <a:fld id="{57832762-0933-4BD4-B837-6EE247D7CDE7}" type="datetime1">
               <a:rPr lang="en-US" smtClean="0"/>
-              <a:t>12/1/2025</a:t>
+              <a:t>12/6/2025</a:t>
             </a:fld>
             <a:endParaRPr lang="en-US" dirty="0"/>
           </a:p>
@@ -1437,7 +1437,7 @@
           <a:p>
             <a:fld id="{E142B5D5-8867-4723-BA6E-5F06858E5D82}" type="datetime1">
               <a:rPr lang="en-US" smtClean="0"/>
-              <a:t>12/1/2025</a:t>
+              <a:t>12/6/2025</a:t>
             </a:fld>
             <a:endParaRPr lang="en-US" dirty="0"/>
           </a:p>
@@ -1905,7 +1905,7 @@
           <a:p>
             <a:fld id="{1E608CC3-87DD-4C45-B7AA-D537F903FC35}" type="datetime1">
               <a:rPr lang="en-US" smtClean="0"/>
-              <a:t>12/1/2025</a:t>
+              <a:t>12/6/2025</a:t>
             </a:fld>
             <a:endParaRPr lang="en-US" dirty="0"/>
           </a:p>
@@ -2447,7 +2447,7 @@
           <a:p>
             <a:fld id="{13578E62-8F67-40D2-8F04-621204CBFF86}" type="datetime1">
               <a:rPr lang="en-US" smtClean="0"/>
-              <a:t>12/1/2025</a:t>
+              <a:t>12/6/2025</a:t>
             </a:fld>
             <a:endParaRPr lang="en-US" dirty="0"/>
           </a:p>
@@ -3216,7 +3216,7 @@
           <a:p>
             <a:fld id="{C2932769-38E9-4865-A65F-79338E123692}" type="datetime1">
               <a:rPr lang="en-US" smtClean="0"/>
-              <a:t>12/1/2025</a:t>
+              <a:t>12/6/2025</a:t>
             </a:fld>
             <a:endParaRPr lang="en-US" dirty="0"/>
           </a:p>
@@ -3386,7 +3386,7 @@
           <a:p>
             <a:fld id="{3895F7B2-21A1-4BA2-BA3B-5C6A409E7B57}" type="datetime1">
               <a:rPr lang="en-US" smtClean="0"/>
-              <a:t>12/1/2025</a:t>
+              <a:t>12/6/2025</a:t>
             </a:fld>
             <a:endParaRPr lang="en-US" dirty="0"/>
           </a:p>
@@ -3604,7 +3604,7 @@
           <a:p>
             <a:fld id="{C79B5B89-7B5E-44EA-B0A5-54D1B53463E6}" type="datetime1">
               <a:rPr lang="en-US" smtClean="0"/>
-              <a:t>12/1/2025</a:t>
+              <a:t>12/6/2025</a:t>
             </a:fld>
             <a:endParaRPr lang="en-US" dirty="0"/>
           </a:p>
@@ -3779,7 +3779,7 @@
           <a:p>
             <a:fld id="{9D06BD26-B5FE-46A8-82A3-576255A636EB}" type="datetime1">
               <a:rPr lang="en-US" smtClean="0"/>
-              <a:t>12/1/2025</a:t>
+              <a:t>12/6/2025</a:t>
             </a:fld>
             <a:endParaRPr lang="en-US" dirty="0"/>
           </a:p>
@@ -4063,7 +4063,7 @@
           <a:p>
             <a:fld id="{6D9F15BB-8E94-42A2-A417-7A2C17BE4957}" type="datetime1">
               <a:rPr lang="en-US" smtClean="0"/>
-              <a:t>12/1/2025</a:t>
+              <a:t>12/6/2025</a:t>
             </a:fld>
             <a:endParaRPr lang="en-US" dirty="0"/>
           </a:p>
@@ -4300,7 +4300,7 @@
           <a:p>
             <a:fld id="{384FC53D-BFB1-42BF-9797-93F4835A6BC8}" type="datetime1">
               <a:rPr lang="en-US" smtClean="0"/>
-              <a:t>12/1/2025</a:t>
+              <a:t>12/6/2025</a:t>
             </a:fld>
             <a:endParaRPr lang="en-US" dirty="0"/>
           </a:p>
@@ -4674,7 +4674,7 @@
           <a:p>
             <a:fld id="{30EB274E-066C-41E5-B64B-5425778C81B2}" type="datetime1">
               <a:rPr lang="en-US" smtClean="0"/>
-              <a:t>12/1/2025</a:t>
+              <a:t>12/6/2025</a:t>
             </a:fld>
             <a:endParaRPr lang="en-US" dirty="0"/>
           </a:p>
@@ -4787,7 +4787,7 @@
           <a:p>
             <a:fld id="{2444835F-7C35-4DDC-81D8-A342DC4AF7E3}" type="datetime1">
               <a:rPr lang="en-US" smtClean="0"/>
-              <a:t>12/1/2025</a:t>
+              <a:t>12/6/2025</a:t>
             </a:fld>
             <a:endParaRPr lang="en-US" dirty="0"/>
           </a:p>
@@ -4877,7 +4877,7 @@
           <a:p>
             <a:fld id="{CD9F7908-DADF-4097-8126-11A4CA46F000}" type="datetime1">
               <a:rPr lang="en-US" smtClean="0"/>
-              <a:t>12/1/2025</a:t>
+              <a:t>12/6/2025</a:t>
             </a:fld>
             <a:endParaRPr lang="en-US" dirty="0"/>
           </a:p>
@@ -5121,7 +5121,7 @@
           <a:p>
             <a:fld id="{8FD78187-B9B8-4712-AFE9-0E2E6A33E942}" type="datetime1">
               <a:rPr lang="en-US" smtClean="0"/>
-              <a:t>12/1/2025</a:t>
+              <a:t>12/6/2025</a:t>
             </a:fld>
             <a:endParaRPr lang="en-US" dirty="0"/>
           </a:p>
@@ -5373,7 +5373,7 @@
           <a:p>
             <a:fld id="{011693D9-AE6C-49C1-90BB-F48D83C5505D}" type="datetime1">
               <a:rPr lang="en-US" smtClean="0"/>
-              <a:t>12/1/2025</a:t>
+              <a:t>12/6/2025</a:t>
             </a:fld>
             <a:endParaRPr lang="en-US" dirty="0"/>
           </a:p>
@@ -5611,7 +5611,7 @@
           <a:p>
             <a:fld id="{A76BA128-5FBC-4869-B507-9A82E0F8016F}" type="datetime1">
               <a:rPr lang="en-US" smtClean="0"/>
-              <a:t>12/1/2025</a:t>
+              <a:t>12/6/2025</a:t>
             </a:fld>
             <a:endParaRPr lang="en-US" dirty="0"/>
           </a:p>
@@ -6101,13 +6101,13 @@
         </p:nvSpPr>
         <p:spPr>
           <a:xfrm>
-            <a:off x="685799" y="3124199"/>
-            <a:ext cx="6902777" cy="3606539"/>
+            <a:off x="254525" y="2960017"/>
+            <a:ext cx="7334052" cy="3770722"/>
           </a:xfrm>
         </p:spPr>
         <p:txBody>
           <a:bodyPr>
-            <a:normAutofit fontScale="85000" lnSpcReduction="20000"/>
+            <a:normAutofit fontScale="92500" lnSpcReduction="20000"/>
           </a:bodyPr>
           <a:lstStyle/>
           <a:p>
@@ -6319,7 +6319,7 @@
             </a:pPr>
             <a:r>
               <a:rPr lang="fr-FR" dirty="0"/>
-              <a:t>Nous avons réussi à créer un Chatbot fonctionnel capable de répondre aux besoins des clients des banques en les offrants des informations, de l’assistance également dont ils ont parfois besoins instantanément sans pourtant être contraint de se rendre à l’agence. Ce projet a permis de mettre en pratique nos compétences en analyse de données, développement Backend &amp; Frontend mais aussi en traitement de langage naturel</a:t>
+              <a:t>Nous avons réussi à créer un Chatbot fonctionnel capable de répondre aux besoins des clients des banques en les offrants des informations, de l’assistance également dont ils ont parfois besoins instantanément sans pourtant être contraint de se rendre à l’agence. Ce projet a permis de mettre en pratique nos compétences en analyse de données, développement Backend &amp; Frontend mais aussi en traitement de langage naturel.</a:t>
             </a:r>
           </a:p>
         </p:txBody>
